--- a/lesson_2/Presentation/Closures+Scope.pptx
+++ b/lesson_2/Presentation/Closures+Scope.pptx
@@ -117,7 +117,7 @@
   </p:defaultTextStyle>
   <p:extLst>
     <p:ext uri="{EFAFB233-063F-42B5-8137-9DF3F51BA10A}">
-      <p15:sldGuideLst xmlns:p15="http://schemas.microsoft.com/office/powerpoint/2012/main" xmlns="">
+      <p15:sldGuideLst xmlns:p15="http://schemas.microsoft.com/office/powerpoint/2012/main">
         <p15:guide id="1" orient="horz" pos="1620">
           <p15:clr>
             <a:srgbClr val="A4A3A4"/>
@@ -141,7 +141,7 @@
       </p15:sldGuideLst>
     </p:ext>
     <p:ext uri="{2D200454-40CA-4A62-9FC3-DE9A4176ACB9}">
-      <p15:notesGuideLst xmlns:p15="http://schemas.microsoft.com/office/powerpoint/2012/main" xmlns="">
+      <p15:notesGuideLst xmlns:p15="http://schemas.microsoft.com/office/powerpoint/2012/main">
         <p15:guide id="1" orient="horz" pos="2880">
           <p15:clr>
             <a:srgbClr val="A4A3A4"/>
@@ -241,7 +241,7 @@
             <a:fld id="{C1951A84-8083-4F68-A786-57C80B44AB3C}" type="datetimeFigureOut">
               <a:rPr lang="en-US" smtClean="0"/>
               <a:pPr/>
-              <a:t>6/11/2016</a:t>
+              <a:t>6/14/2016</a:t>
             </a:fld>
             <a:endParaRPr lang="en-US"/>
           </a:p>
@@ -317,7 +317,7 @@
     </p:spTree>
     <p:extLst>
       <p:ext uri="{BB962C8B-B14F-4D97-AF65-F5344CB8AC3E}">
-        <p14:creationId xmlns:p14="http://schemas.microsoft.com/office/powerpoint/2010/main" xmlns="" val="171833131"/>
+        <p14:creationId xmlns:p14="http://schemas.microsoft.com/office/powerpoint/2010/main" val="171833131"/>
       </p:ext>
     </p:extLst>
   </p:cSld>
@@ -408,7 +408,7 @@
             <a:fld id="{F938EB94-4B54-4539-BEE7-C3885B42E71C}" type="datetimeFigureOut">
               <a:rPr lang="en-US" smtClean="0"/>
               <a:pPr/>
-              <a:t>6/11/2016</a:t>
+              <a:t>6/14/2016</a:t>
             </a:fld>
             <a:endParaRPr lang="en-US"/>
           </a:p>
@@ -472,38 +472,37 @@
           <a:p>
             <a:pPr lvl="0"/>
             <a:r>
-              <a:rPr lang="en-US" smtClean="0"/>
+              <a:rPr lang="en-US"/>
               <a:t>Click to edit Master text styles</a:t>
             </a:r>
           </a:p>
           <a:p>
             <a:pPr lvl="1"/>
             <a:r>
-              <a:rPr lang="en-US" smtClean="0"/>
+              <a:rPr lang="en-US"/>
               <a:t>Second level</a:t>
             </a:r>
           </a:p>
           <a:p>
             <a:pPr lvl="2"/>
             <a:r>
-              <a:rPr lang="en-US" smtClean="0"/>
+              <a:rPr lang="en-US"/>
               <a:t>Third level</a:t>
             </a:r>
           </a:p>
           <a:p>
             <a:pPr lvl="3"/>
             <a:r>
-              <a:rPr lang="en-US" smtClean="0"/>
+              <a:rPr lang="en-US"/>
               <a:t>Fourth level</a:t>
             </a:r>
           </a:p>
           <a:p>
             <a:pPr lvl="4"/>
             <a:r>
-              <a:rPr lang="en-US" smtClean="0"/>
+              <a:rPr lang="en-US"/>
               <a:t>Fifth level</a:t>
             </a:r>
-            <a:endParaRPr lang="en-US"/>
           </a:p>
         </p:txBody>
       </p:sp>
@@ -577,7 +576,7 @@
     </p:spTree>
     <p:extLst>
       <p:ext uri="{BB962C8B-B14F-4D97-AF65-F5344CB8AC3E}">
-        <p14:creationId xmlns:p14="http://schemas.microsoft.com/office/powerpoint/2010/main" xmlns="" val="4273275644"/>
+        <p14:creationId xmlns:p14="http://schemas.microsoft.com/office/powerpoint/2010/main" val="4273275644"/>
       </p:ext>
     </p:extLst>
   </p:cSld>
@@ -732,10 +731,9 @@
           </a:lstStyle>
           <a:p>
             <a:r>
-              <a:rPr lang="en-US" dirty="0" smtClean="0"/>
+              <a:rPr lang="en-US" dirty="0"/>
               <a:t>title style</a:t>
             </a:r>
-            <a:endParaRPr lang="en-US" dirty="0"/>
           </a:p>
         </p:txBody>
       </p:sp>
@@ -855,10 +853,9 @@
           </a:lstStyle>
           <a:p>
             <a:r>
-              <a:rPr lang="en-US" dirty="0" smtClean="0"/>
+              <a:rPr lang="en-US" dirty="0"/>
               <a:t>Click to edit Master subtitle style</a:t>
             </a:r>
-            <a:endParaRPr lang="en-US" dirty="0"/>
           </a:p>
         </p:txBody>
       </p:sp>
@@ -1184,20 +1181,13 @@
     </p:spTree>
     <p:extLst>
       <p:ext uri="{BB962C8B-B14F-4D97-AF65-F5344CB8AC3E}">
-        <p14:creationId xmlns:p14="http://schemas.microsoft.com/office/powerpoint/2010/main" xmlns="" val="3537187278"/>
+        <p14:creationId xmlns:p14="http://schemas.microsoft.com/office/powerpoint/2010/main" val="3537187278"/>
       </p:ext>
     </p:extLst>
   </p:cSld>
   <p:clrMapOvr>
     <a:overrideClrMapping bg1="lt1" tx1="dk1" bg2="lt2" tx2="dk2" accent1="accent1" accent2="accent2" accent3="accent3" accent4="accent4" accent5="accent5" accent6="accent6" hlink="hlink" folHlink="folHlink"/>
   </p:clrMapOvr>
-  <p:timing>
-    <p:tnLst>
-      <p:par>
-        <p:cTn id="1" dur="indefinite" restart="never" nodeType="tmRoot"/>
-      </p:par>
-    </p:tnLst>
-  </p:timing>
 </p:sldLayout>
 </file>
 
@@ -1230,7 +1220,7 @@
           <a:blip r:embed="rId2" cstate="print">
             <a:extLst>
               <a:ext uri="{28A0092B-C50C-407E-A947-70E740481C1C}">
-                <a14:useLocalDpi xmlns:a14="http://schemas.microsoft.com/office/drawing/2010/main" xmlns="" val="0"/>
+                <a14:useLocalDpi xmlns:a14="http://schemas.microsoft.com/office/drawing/2010/main" val="0"/>
               </a:ext>
             </a:extLst>
           </a:blip>
@@ -1254,14 +1244,14 @@
           <a:effectLst/>
           <a:extLst>
             <a:ext uri="{909E8E84-426E-40DD-AFC4-6F175D3DCCD1}">
-              <a14:hiddenFill xmlns:a14="http://schemas.microsoft.com/office/drawing/2010/main" xmlns="">
+              <a14:hiddenFill xmlns:a14="http://schemas.microsoft.com/office/drawing/2010/main">
                 <a:solidFill>
                   <a:schemeClr val="accent1"/>
                 </a:solidFill>
               </a14:hiddenFill>
             </a:ext>
             <a:ext uri="{91240B29-F687-4F45-9708-019B960494DF}">
-              <a14:hiddenLine xmlns:a14="http://schemas.microsoft.com/office/drawing/2010/main" xmlns="" w="9525">
+              <a14:hiddenLine xmlns:a14="http://schemas.microsoft.com/office/drawing/2010/main" w="9525">
                 <a:solidFill>
                   <a:schemeClr val="tx1"/>
                 </a:solidFill>
@@ -1271,7 +1261,7 @@
               </a14:hiddenLine>
             </a:ext>
             <a:ext uri="{AF507438-7753-43E0-B8FC-AC1667EBCBE1}">
-              <a14:hiddenEffects xmlns:a14="http://schemas.microsoft.com/office/drawing/2010/main" xmlns="">
+              <a14:hiddenEffects xmlns:a14="http://schemas.microsoft.com/office/drawing/2010/main">
                 <a:effectLst>
                   <a:outerShdw dist="35921" dir="2700000" algn="ctr" rotWithShape="0">
                     <a:schemeClr val="bg2"/>
@@ -1366,10 +1356,9 @@
           </a:lstStyle>
           <a:p>
             <a:r>
-              <a:rPr lang="en-US" dirty="0" smtClean="0"/>
+              <a:rPr lang="en-US" dirty="0"/>
               <a:t>Click to edit Master title style</a:t>
             </a:r>
-            <a:endParaRPr lang="en-US" dirty="0"/>
           </a:p>
         </p:txBody>
       </p:sp>
@@ -1403,7 +1392,7 @@
           <a:p>
             <a:pPr lvl="4"/>
             <a:r>
-              <a:rPr lang="en-US" dirty="0" smtClean="0"/>
+              <a:rPr lang="en-US" dirty="0"/>
               <a:t>Subtitle</a:t>
             </a:r>
           </a:p>
@@ -1412,20 +1401,13 @@
     </p:spTree>
     <p:extLst>
       <p:ext uri="{BB962C8B-B14F-4D97-AF65-F5344CB8AC3E}">
-        <p14:creationId xmlns:p14="http://schemas.microsoft.com/office/powerpoint/2010/main" xmlns="" val="2097366919"/>
+        <p14:creationId xmlns:p14="http://schemas.microsoft.com/office/powerpoint/2010/main" val="2097366919"/>
       </p:ext>
     </p:extLst>
   </p:cSld>
   <p:clrMapOvr>
     <a:masterClrMapping/>
   </p:clrMapOvr>
-  <p:timing>
-    <p:tnLst>
-      <p:par>
-        <p:cTn id="1" dur="indefinite" restart="never" nodeType="tmRoot"/>
-      </p:par>
-    </p:tnLst>
-  </p:timing>
 </p:sldLayout>
 </file>
 
@@ -1477,17 +1459,16 @@
           <a:lstStyle/>
           <a:p>
             <a:r>
-              <a:rPr lang="en-US" smtClean="0"/>
+              <a:rPr lang="en-US"/>
               <a:t>Click to edit Master title style</a:t>
             </a:r>
-            <a:endParaRPr lang="en-US"/>
           </a:p>
         </p:txBody>
       </p:sp>
     </p:spTree>
     <p:extLst>
       <p:ext uri="{BB962C8B-B14F-4D97-AF65-F5344CB8AC3E}">
-        <p14:creationId xmlns:p14="http://schemas.microsoft.com/office/powerpoint/2010/main" xmlns="" val="779007194"/>
+        <p14:creationId xmlns:p14="http://schemas.microsoft.com/office/powerpoint/2010/main" val="779007194"/>
       </p:ext>
     </p:extLst>
   </p:cSld>
@@ -1496,13 +1477,6 @@
     <p:sldLayoutId id="2147483649" r:id="rId1"/>
     <p:sldLayoutId id="2147483650" r:id="rId2"/>
   </p:sldLayoutIdLst>
-  <p:timing>
-    <p:tnLst>
-      <p:par>
-        <p:cTn id="1" dur="indefinite" restart="never" nodeType="tmRoot"/>
-      </p:par>
-    </p:tnLst>
-  </p:timing>
   <p:txStyles>
     <p:titleStyle>
       <a:lvl1pPr algn="ctr" defTabSz="914400" rtl="0" eaLnBrk="1" latinLnBrk="0" hangingPunct="1">
@@ -1842,7 +1816,7 @@
           <a:lstStyle/>
           <a:p>
             <a:r>
-              <a:rPr lang="ru-RU" sz="2700" dirty="0" smtClean="0">
+              <a:rPr lang="ru-RU" sz="2700" dirty="0">
                 <a:solidFill>
                   <a:schemeClr val="bg1"/>
                 </a:solidFill>
@@ -2041,7 +2015,7 @@
           </a:lstStyle>
           <a:p>
             <a:r>
-              <a:rPr lang="en-US" sz="2700" dirty="0" smtClean="0">
+              <a:rPr lang="en-US" sz="2700" dirty="0">
                 <a:solidFill>
                   <a:schemeClr val="tx1">
                     <a:lumMod val="90000"/>
@@ -2054,17 +2028,6 @@
               </a:rPr>
               <a:t>The JavaScript Programming Language</a:t>
             </a:r>
-            <a:endParaRPr lang="en-US" sz="2700" dirty="0">
-              <a:solidFill>
-                <a:schemeClr val="tx1">
-                  <a:lumMod val="90000"/>
-                  <a:lumOff val="10000"/>
-                </a:schemeClr>
-              </a:solidFill>
-              <a:latin typeface="Roboto Light" panose="02000000000000000000" pitchFamily="2" charset="0"/>
-              <a:ea typeface="Roboto Light" panose="02000000000000000000" pitchFamily="2" charset="0"/>
-              <a:cs typeface="Roboto Light" panose="02000000000000000000" pitchFamily="2" charset="0"/>
-            </a:endParaRPr>
           </a:p>
         </p:txBody>
       </p:sp>
@@ -2080,7 +2043,7 @@
           <a:blip r:embed="rId2" cstate="print">
             <a:extLst>
               <a:ext uri="{28A0092B-C50C-407E-A947-70E740481C1C}">
-                <a14:useLocalDpi xmlns:a14="http://schemas.microsoft.com/office/drawing/2010/main" xmlns="" val="0"/>
+                <a14:useLocalDpi xmlns:a14="http://schemas.microsoft.com/office/drawing/2010/main" val="0"/>
               </a:ext>
             </a:extLst>
           </a:blip>
@@ -2100,7 +2063,7 @@
           <a:noFill/>
           <a:extLst>
             <a:ext uri="{909E8E84-426E-40DD-AFC4-6F175D3DCCD1}">
-              <a14:hiddenFill xmlns:a14="http://schemas.microsoft.com/office/drawing/2010/main" xmlns="">
+              <a14:hiddenFill xmlns:a14="http://schemas.microsoft.com/office/drawing/2010/main">
                 <a:solidFill>
                   <a:srgbClr val="FFFFFF"/>
                 </a:solidFill>
@@ -2132,7 +2095,7 @@
           <a:lstStyle/>
           <a:p>
             <a:r>
-              <a:rPr lang="ru-RU" sz="4400" dirty="0" smtClean="0">
+              <a:rPr lang="ru-RU" sz="4400" dirty="0">
                 <a:solidFill>
                   <a:srgbClr val="7564BC"/>
                 </a:solidFill>
@@ -2146,20 +2109,13 @@
     </p:spTree>
     <p:extLst>
       <p:ext uri="{BB962C8B-B14F-4D97-AF65-F5344CB8AC3E}">
-        <p14:creationId xmlns:p14="http://schemas.microsoft.com/office/powerpoint/2010/main" xmlns="" val="3436223543"/>
+        <p14:creationId xmlns:p14="http://schemas.microsoft.com/office/powerpoint/2010/main" val="3436223543"/>
       </p:ext>
     </p:extLst>
   </p:cSld>
   <p:clrMapOvr>
     <a:masterClrMapping/>
   </p:clrMapOvr>
-  <p:timing>
-    <p:tnLst>
-      <p:par>
-        <p:cTn id="1" dur="indefinite" restart="never" nodeType="tmRoot"/>
-      </p:par>
-    </p:tnLst>
-  </p:timing>
 </p:sld>
 </file>
 
@@ -2196,7 +2152,7 @@
           <a:lstStyle/>
           <a:p>
             <a:r>
-              <a:rPr lang="ru-RU" dirty="0" smtClean="0"/>
+              <a:rPr lang="ru-RU" dirty="0"/>
               <a:t>Глобальный объект</a:t>
             </a:r>
             <a:endParaRPr lang="en-US" dirty="0"/>
@@ -2212,7 +2168,7 @@
         <p:spPr>
           <a:xfrm>
             <a:off x="457200" y="1474470"/>
-            <a:ext cx="8229600" cy="3416320"/>
+            <a:ext cx="8229600" cy="2031325"/>
           </a:xfrm>
           <a:prstGeom prst="rect">
             <a:avLst/>
@@ -2227,122 +2183,156 @@
           <a:p>
             <a:pPr algn="just"/>
             <a:r>
-              <a:rPr lang="ru-RU" dirty="0" smtClean="0"/>
+              <a:rPr lang="ru-RU" sz="1400" dirty="0">
+                <a:latin typeface="Calibri" panose="020F0502020204030204" pitchFamily="34" charset="0"/>
+              </a:rPr>
               <a:t>В </a:t>
             </a:r>
             <a:r>
-              <a:rPr lang="ru-RU" dirty="0" err="1" smtClean="0"/>
+              <a:rPr lang="ru-RU" sz="1400" dirty="0" err="1">
+                <a:latin typeface="Calibri" panose="020F0502020204030204" pitchFamily="34" charset="0"/>
+              </a:rPr>
               <a:t>JavaScript</a:t>
             </a:r>
             <a:r>
-              <a:rPr lang="ru-RU" dirty="0" smtClean="0"/>
+              <a:rPr lang="ru-RU" sz="1400" dirty="0">
+                <a:latin typeface="Calibri" panose="020F0502020204030204" pitchFamily="34" charset="0"/>
+              </a:rPr>
               <a:t> все глобальные переменные и функции являются свойствами специального объекта, который называется </a:t>
             </a:r>
+            <a:r>
+              <a:rPr lang="ru-RU" sz="1400" b="1" dirty="0">
+                <a:latin typeface="Calibri" panose="020F0502020204030204" pitchFamily="34" charset="0"/>
+              </a:rPr>
+              <a:t>«глобальный объект»</a:t>
+            </a:r>
+            <a:r>
+              <a:rPr lang="ru-RU" sz="1400" dirty="0">
+                <a:latin typeface="Calibri" panose="020F0502020204030204" pitchFamily="34" charset="0"/>
+              </a:rPr>
+              <a:t> </a:t>
+            </a:r>
+            <a:r>
+              <a:rPr lang="ru-RU" sz="1400" b="1" dirty="0">
+                <a:latin typeface="Calibri" panose="020F0502020204030204" pitchFamily="34" charset="0"/>
+              </a:rPr>
+              <a:t>(</a:t>
+            </a:r>
+            <a:r>
+              <a:rPr lang="ru-RU" sz="1400" b="1" dirty="0" err="1">
+                <a:latin typeface="Calibri" panose="020F0502020204030204" pitchFamily="34" charset="0"/>
+              </a:rPr>
+              <a:t>global</a:t>
+            </a:r>
+            <a:r>
+              <a:rPr lang="ru-RU" sz="1400" b="1" dirty="0">
+                <a:latin typeface="Calibri" panose="020F0502020204030204" pitchFamily="34" charset="0"/>
+              </a:rPr>
+              <a:t> </a:t>
+            </a:r>
+            <a:r>
+              <a:rPr lang="ru-RU" sz="1400" b="1" dirty="0" err="1">
+                <a:latin typeface="Calibri" panose="020F0502020204030204" pitchFamily="34" charset="0"/>
+              </a:rPr>
+              <a:t>object</a:t>
+            </a:r>
+            <a:r>
+              <a:rPr lang="ru-RU" sz="1400" b="1" dirty="0">
+                <a:latin typeface="Calibri" panose="020F0502020204030204" pitchFamily="34" charset="0"/>
+              </a:rPr>
+              <a:t>). </a:t>
+            </a:r>
           </a:p>
           <a:p>
             <a:pPr algn="just"/>
-            <a:r>
-              <a:rPr lang="ru-RU" b="1" dirty="0" smtClean="0"/>
-              <a:t>«глобальный объект»</a:t>
-            </a:r>
-            <a:r>
-              <a:rPr lang="ru-RU" dirty="0" smtClean="0"/>
-              <a:t> </a:t>
-            </a:r>
-            <a:r>
-              <a:rPr lang="ru-RU" b="1" dirty="0" smtClean="0"/>
-              <a:t>(</a:t>
-            </a:r>
-            <a:r>
-              <a:rPr lang="ru-RU" b="1" dirty="0" err="1" smtClean="0"/>
-              <a:t>global</a:t>
-            </a:r>
-            <a:r>
-              <a:rPr lang="ru-RU" b="1" dirty="0" smtClean="0"/>
-              <a:t> </a:t>
-            </a:r>
-            <a:r>
-              <a:rPr lang="ru-RU" b="1" dirty="0" err="1" smtClean="0"/>
-              <a:t>object</a:t>
-            </a:r>
-            <a:r>
-              <a:rPr lang="ru-RU" b="1" dirty="0" smtClean="0"/>
-              <a:t>). </a:t>
-            </a:r>
+            <a:endParaRPr lang="ru-RU" sz="1400" b="1" dirty="0">
+              <a:latin typeface="Calibri" panose="020F0502020204030204" pitchFamily="34" charset="0"/>
+            </a:endParaRPr>
           </a:p>
           <a:p>
             <a:pPr algn="just"/>
-            <a:endParaRPr lang="ru-RU" b="1" dirty="0" smtClean="0"/>
+            <a:r>
+              <a:rPr lang="ru-RU" sz="1400" dirty="0">
+                <a:latin typeface="Calibri" panose="020F0502020204030204" pitchFamily="34" charset="0"/>
+              </a:rPr>
+              <a:t>В браузере этот объект явно доступен под именем </a:t>
+            </a:r>
+            <a:r>
+              <a:rPr lang="ru-RU" sz="1400" b="1" dirty="0" err="1">
+                <a:latin typeface="Calibri" panose="020F0502020204030204" pitchFamily="34" charset="0"/>
+              </a:rPr>
+              <a:t>window</a:t>
+            </a:r>
+            <a:r>
+              <a:rPr lang="ru-RU" sz="1400" dirty="0">
+                <a:latin typeface="Calibri" panose="020F0502020204030204" pitchFamily="34" charset="0"/>
+              </a:rPr>
+              <a:t>. Объект </a:t>
+            </a:r>
+            <a:r>
+              <a:rPr lang="ru-RU" sz="1400" b="1" dirty="0" err="1">
+                <a:latin typeface="Calibri" panose="020F0502020204030204" pitchFamily="34" charset="0"/>
+              </a:rPr>
+              <a:t>window</a:t>
+            </a:r>
+            <a:r>
+              <a:rPr lang="ru-RU" sz="1400" dirty="0">
+                <a:latin typeface="Calibri" panose="020F0502020204030204" pitchFamily="34" charset="0"/>
+              </a:rPr>
+              <a:t> одновременно является глобальным объектом и содержит ряд свойств и методов для работы с окном браузера. </a:t>
+            </a:r>
           </a:p>
           <a:p>
             <a:pPr algn="just"/>
-            <a:r>
-              <a:rPr lang="ru-RU" dirty="0" smtClean="0"/>
-              <a:t>В браузере этот объект явно доступен под именем </a:t>
-            </a:r>
-            <a:r>
-              <a:rPr lang="ru-RU" b="1" dirty="0" err="1" smtClean="0"/>
+            <a:endParaRPr lang="ru-RU" sz="1400" dirty="0">
+              <a:latin typeface="Calibri" panose="020F0502020204030204" pitchFamily="34" charset="0"/>
+            </a:endParaRPr>
+          </a:p>
+          <a:p>
+            <a:pPr algn="just"/>
+            <a:r>
+              <a:rPr lang="ru-RU" sz="1400" dirty="0">
+                <a:latin typeface="Calibri" panose="020F0502020204030204" pitchFamily="34" charset="0"/>
+              </a:rPr>
+              <a:t>Присваивая или читая глобальную переменную, мы, фактически, работаем со свойствами </a:t>
+            </a:r>
+            <a:r>
+              <a:rPr lang="ru-RU" sz="1400" b="1" dirty="0" err="1">
+                <a:latin typeface="Calibri" panose="020F0502020204030204" pitchFamily="34" charset="0"/>
+              </a:rPr>
               <a:t>window</a:t>
             </a:r>
             <a:r>
-              <a:rPr lang="ru-RU" dirty="0" smtClean="0"/>
-              <a:t>. Объект </a:t>
-            </a:r>
-            <a:r>
-              <a:rPr lang="ru-RU" b="1" dirty="0" err="1" smtClean="0"/>
-              <a:t>window</a:t>
-            </a:r>
-            <a:r>
-              <a:rPr lang="ru-RU" dirty="0" smtClean="0"/>
-              <a:t> одновременно является глобальным объектом и содержит ряд свойств и методов для работы с окном браузера. </a:t>
+              <a:rPr lang="ru-RU" sz="1400" b="1" dirty="0">
+                <a:latin typeface="Calibri" panose="020F0502020204030204" pitchFamily="34" charset="0"/>
+              </a:rPr>
+              <a:t>.</a:t>
             </a:r>
           </a:p>
           <a:p>
             <a:pPr algn="just"/>
-            <a:endParaRPr lang="ru-RU" dirty="0" smtClean="0"/>
+            <a:endParaRPr lang="ru-RU" sz="1400" dirty="0">
+              <a:latin typeface="Calibri" panose="020F0502020204030204" pitchFamily="34" charset="0"/>
+            </a:endParaRPr>
           </a:p>
           <a:p>
             <a:pPr algn="just"/>
-            <a:r>
-              <a:rPr lang="ru-RU" dirty="0" smtClean="0"/>
-              <a:t>Присваивая или читая глобальную переменную, мы, фактически, работаем со свойствами </a:t>
-            </a:r>
-            <a:r>
-              <a:rPr lang="ru-RU" b="1" dirty="0" err="1" smtClean="0"/>
-              <a:t>window</a:t>
-            </a:r>
-            <a:r>
-              <a:rPr lang="ru-RU" b="1" dirty="0" smtClean="0"/>
-              <a:t>.</a:t>
-            </a:r>
-          </a:p>
-          <a:p>
-            <a:pPr algn="just"/>
-            <a:endParaRPr lang="ru-RU" dirty="0" smtClean="0"/>
-          </a:p>
-          <a:p>
-            <a:pPr algn="just"/>
-            <a:endParaRPr lang="en-US" dirty="0"/>
+            <a:endParaRPr lang="en-US" sz="1400" dirty="0">
+              <a:latin typeface="Calibri" panose="020F0502020204030204" pitchFamily="34" charset="0"/>
+            </a:endParaRPr>
           </a:p>
         </p:txBody>
       </p:sp>
     </p:spTree>
     <p:extLst>
       <p:ext uri="{BB962C8B-B14F-4D97-AF65-F5344CB8AC3E}">
-        <p14:creationId xmlns:p14="http://schemas.microsoft.com/office/powerpoint/2010/main" xmlns="" val="9290874"/>
+        <p14:creationId xmlns:p14="http://schemas.microsoft.com/office/powerpoint/2010/main" val="9290874"/>
       </p:ext>
     </p:extLst>
   </p:cSld>
   <p:clrMapOvr>
     <a:masterClrMapping/>
   </p:clrMapOvr>
-  <p:timing>
-    <p:tnLst>
-      <p:par>
-        <p:cTn id="1" dur="indefinite" restart="never" nodeType="tmRoot"/>
-      </p:par>
-    </p:tnLst>
-  </p:timing>
 </p:sld>
 </file>
 
@@ -2379,7 +2369,7 @@
           <a:lstStyle/>
           <a:p>
             <a:r>
-              <a:rPr lang="ru-RU" dirty="0" smtClean="0"/>
+              <a:rPr lang="ru-RU" dirty="0"/>
               <a:t>Замыкание</a:t>
             </a:r>
             <a:endParaRPr lang="en-US" dirty="0"/>
@@ -2395,7 +2385,7 @@
         <p:spPr>
           <a:xfrm>
             <a:off x="548640" y="1474470"/>
-            <a:ext cx="7680960" cy="2585323"/>
+            <a:ext cx="7680960" cy="954107"/>
           </a:xfrm>
           <a:prstGeom prst="rect">
             <a:avLst/>
@@ -2409,80 +2399,61 @@
           <a:lstStyle/>
           <a:p>
             <a:pPr algn="just"/>
-            <a:endParaRPr lang="ru-RU" dirty="0" smtClean="0"/>
+            <a:r>
+              <a:rPr lang="ru-RU" sz="1400" b="1" dirty="0">
+                <a:latin typeface="Calibri" panose="020F0502020204030204" pitchFamily="34" charset="0"/>
+              </a:rPr>
+              <a:t>Замыкание </a:t>
+            </a:r>
+            <a:r>
+              <a:rPr lang="ru-RU" sz="1400" dirty="0">
+                <a:latin typeface="Calibri" panose="020F0502020204030204" pitchFamily="34" charset="0"/>
+              </a:rPr>
+              <a:t>– это функция вместе со всеми внешними переменными, которые ей доступны. </a:t>
+            </a:r>
           </a:p>
           <a:p>
             <a:pPr algn="just"/>
-            <a:r>
-              <a:rPr lang="ru-RU" b="1" dirty="0" smtClean="0"/>
-              <a:t>Замыкание </a:t>
-            </a:r>
-            <a:r>
-              <a:rPr lang="ru-RU" dirty="0" smtClean="0"/>
-              <a:t>– это функция вместе со всеми внешними переменными, которые ей доступны. </a:t>
-            </a:r>
+            <a:endParaRPr lang="ru-RU" sz="1400" dirty="0">
+              <a:latin typeface="Calibri" panose="020F0502020204030204" pitchFamily="34" charset="0"/>
+            </a:endParaRPr>
           </a:p>
           <a:p>
             <a:pPr algn="just"/>
-            <a:endParaRPr lang="ru-RU" dirty="0" smtClean="0"/>
-          </a:p>
-          <a:p>
-            <a:pPr algn="just"/>
-            <a:r>
-              <a:rPr lang="ru-RU" dirty="0" smtClean="0"/>
-              <a:t>Тем не менее, в </a:t>
-            </a:r>
-            <a:r>
-              <a:rPr lang="ru-RU" dirty="0" err="1" smtClean="0"/>
+            <a:r>
+              <a:rPr lang="uk-UA" sz="1400" dirty="0">
+                <a:latin typeface="Calibri" panose="020F0502020204030204" pitchFamily="34" charset="0"/>
+              </a:rPr>
+              <a:t>В </a:t>
+            </a:r>
+            <a:r>
+              <a:rPr lang="ru-RU" sz="1400" dirty="0" err="1">
+                <a:latin typeface="Calibri" panose="020F0502020204030204" pitchFamily="34" charset="0"/>
+              </a:rPr>
               <a:t>JavaScript</a:t>
             </a:r>
             <a:r>
-              <a:rPr lang="ru-RU" dirty="0" smtClean="0"/>
-              <a:t> есть небольшая терминологическая особенность.</a:t>
-            </a:r>
-          </a:p>
-          <a:p>
-            <a:pPr algn="just"/>
-            <a:r>
-              <a:rPr lang="ru-RU" dirty="0" smtClean="0"/>
-              <a:t> </a:t>
-            </a:r>
-          </a:p>
-          <a:p>
-            <a:pPr algn="just"/>
-            <a:r>
-              <a:rPr lang="ru-RU" dirty="0" smtClean="0"/>
-              <a:t>В </a:t>
-            </a:r>
-            <a:r>
-              <a:rPr lang="en-US" dirty="0" smtClean="0"/>
-              <a:t>JavaScript </a:t>
-            </a:r>
-            <a:r>
-              <a:rPr lang="ru-RU" dirty="0" smtClean="0"/>
-              <a:t>обычно, говоря «замыкание функции», подразумевают не саму эту функцию, а именно внешние переменные.</a:t>
-            </a:r>
-            <a:endParaRPr lang="en-US" dirty="0"/>
+              <a:rPr lang="ru-RU" sz="1400" dirty="0">
+                <a:latin typeface="Calibri" panose="020F0502020204030204" pitchFamily="34" charset="0"/>
+              </a:rPr>
+              <a:t> есть небольшая терминологическая особенность, обычно, говоря «замыкание функции», подразумевают не саму эту функцию, а именно внешние переменные.</a:t>
+            </a:r>
+            <a:endParaRPr lang="en-US" sz="1400" dirty="0">
+              <a:latin typeface="Calibri" panose="020F0502020204030204" pitchFamily="34" charset="0"/>
+            </a:endParaRPr>
           </a:p>
         </p:txBody>
       </p:sp>
     </p:spTree>
     <p:extLst>
       <p:ext uri="{BB962C8B-B14F-4D97-AF65-F5344CB8AC3E}">
-        <p14:creationId xmlns:p14="http://schemas.microsoft.com/office/powerpoint/2010/main" xmlns="" val="4126915530"/>
+        <p14:creationId xmlns:p14="http://schemas.microsoft.com/office/powerpoint/2010/main" val="4126915530"/>
       </p:ext>
     </p:extLst>
   </p:cSld>
   <p:clrMapOvr>
     <a:masterClrMapping/>
   </p:clrMapOvr>
-  <p:timing>
-    <p:tnLst>
-      <p:par>
-        <p:cTn id="1" dur="indefinite" restart="never" nodeType="tmRoot"/>
-      </p:par>
-    </p:tnLst>
-  </p:timing>
 </p:sld>
 </file>
 
@@ -2519,7 +2490,7 @@
           <a:lstStyle/>
           <a:p>
             <a:r>
-              <a:rPr lang="ru-RU" dirty="0" smtClean="0"/>
+              <a:rPr lang="ru-RU" dirty="0"/>
               <a:t>Замыкание </a:t>
             </a:r>
             <a:endParaRPr lang="en-US" dirty="0"/>
@@ -2535,7 +2506,7 @@
         <p:spPr>
           <a:xfrm>
             <a:off x="457200" y="925830"/>
-            <a:ext cx="7955280" cy="3693319"/>
+            <a:ext cx="7955280" cy="2462213"/>
           </a:xfrm>
           <a:prstGeom prst="rect">
             <a:avLst/>
@@ -2553,31 +2524,45 @@
               <a:buChar char="§"/>
             </a:pPr>
             <a:r>
-              <a:rPr lang="ru-RU" dirty="0" smtClean="0"/>
+              <a:rPr lang="ru-RU" sz="1400" dirty="0">
+                <a:latin typeface="Calibri" panose="020F0502020204030204" pitchFamily="34" charset="0"/>
+              </a:rPr>
               <a:t>  При </a:t>
             </a:r>
             <a:r>
-              <a:rPr lang="ru-RU" b="1" dirty="0" smtClean="0"/>
+              <a:rPr lang="ru-RU" sz="1400" b="1" dirty="0">
+                <a:latin typeface="Calibri" panose="020F0502020204030204" pitchFamily="34" charset="0"/>
+              </a:rPr>
               <a:t>создании</a:t>
             </a:r>
             <a:r>
-              <a:rPr lang="ru-RU" dirty="0" smtClean="0"/>
+              <a:rPr lang="ru-RU" sz="1400" dirty="0">
+                <a:latin typeface="Calibri" panose="020F0502020204030204" pitchFamily="34" charset="0"/>
+              </a:rPr>
               <a:t> функция получает скрытое свойство </a:t>
             </a:r>
             <a:r>
-              <a:rPr lang="ru-RU" b="1" dirty="0" smtClean="0"/>
+              <a:rPr lang="ru-RU" sz="1400" b="1" dirty="0">
+                <a:latin typeface="Calibri" panose="020F0502020204030204" pitchFamily="34" charset="0"/>
+              </a:rPr>
               <a:t>[[</a:t>
             </a:r>
             <a:r>
-              <a:rPr lang="ru-RU" b="1" dirty="0" err="1" smtClean="0"/>
+              <a:rPr lang="ru-RU" sz="1400" b="1" dirty="0" err="1">
+                <a:latin typeface="Calibri" panose="020F0502020204030204" pitchFamily="34" charset="0"/>
+              </a:rPr>
               <a:t>Scope</a:t>
             </a:r>
             <a:r>
-              <a:rPr lang="ru-RU" b="1" dirty="0" smtClean="0"/>
+              <a:rPr lang="ru-RU" sz="1400" b="1" dirty="0">
+                <a:latin typeface="Calibri" panose="020F0502020204030204" pitchFamily="34" charset="0"/>
+              </a:rPr>
               <a:t>]]</a:t>
             </a:r>
             <a:r>
-              <a:rPr lang="ru-RU" dirty="0" smtClean="0"/>
+              <a:rPr lang="ru-RU" sz="1400" dirty="0">
+                <a:latin typeface="Calibri" panose="020F0502020204030204" pitchFamily="34" charset="0"/>
+              </a:rPr>
               <a:t>, которое ссылается на лексическое окружение, в котором она была создана.</a:t>
             </a:r>
           </a:p>
@@ -2586,7 +2571,9 @@
               <a:buFont typeface="Wingdings" pitchFamily="2" charset="2"/>
               <a:buChar char="§"/>
             </a:pPr>
-            <a:endParaRPr lang="ru-RU" dirty="0" smtClean="0"/>
+            <a:endParaRPr lang="ru-RU" sz="1400" dirty="0">
+              <a:latin typeface="Calibri" panose="020F0502020204030204" pitchFamily="34" charset="0"/>
+            </a:endParaRPr>
           </a:p>
           <a:p>
             <a:pPr algn="just">
@@ -2594,43 +2581,63 @@
               <a:buChar char="§"/>
             </a:pPr>
             <a:r>
-              <a:rPr lang="ru-RU" dirty="0" smtClean="0"/>
+              <a:rPr lang="ru-RU" sz="1400" dirty="0">
+                <a:latin typeface="Calibri" panose="020F0502020204030204" pitchFamily="34" charset="0"/>
+              </a:rPr>
               <a:t>  При </a:t>
             </a:r>
             <a:r>
-              <a:rPr lang="ru-RU" b="1" dirty="0" smtClean="0"/>
+              <a:rPr lang="ru-RU" sz="1400" b="1" dirty="0">
+                <a:latin typeface="Calibri" panose="020F0502020204030204" pitchFamily="34" charset="0"/>
+              </a:rPr>
               <a:t>запуске</a:t>
             </a:r>
             <a:r>
-              <a:rPr lang="ru-RU" dirty="0" smtClean="0"/>
+              <a:rPr lang="ru-RU" sz="1400" dirty="0">
+                <a:latin typeface="Calibri" panose="020F0502020204030204" pitchFamily="34" charset="0"/>
+              </a:rPr>
               <a:t> функция создает </a:t>
             </a:r>
             <a:r>
-              <a:rPr lang="ru-RU" b="1" dirty="0" smtClean="0"/>
+              <a:rPr lang="ru-RU" sz="1400" b="1" dirty="0">
+                <a:latin typeface="Calibri" panose="020F0502020204030204" pitchFamily="34" charset="0"/>
+              </a:rPr>
               <a:t>объект </a:t>
             </a:r>
             <a:r>
-              <a:rPr lang="ru-RU" b="1" dirty="0" err="1" smtClean="0"/>
+              <a:rPr lang="ru-RU" sz="1400" b="1" dirty="0" err="1">
+                <a:latin typeface="Calibri" panose="020F0502020204030204" pitchFamily="34" charset="0"/>
+              </a:rPr>
               <a:t>LexicalEnvironment</a:t>
             </a:r>
             <a:r>
-              <a:rPr lang="ru-RU" dirty="0" smtClean="0"/>
+              <a:rPr lang="ru-RU" sz="1400" dirty="0">
+                <a:latin typeface="Calibri" panose="020F0502020204030204" pitchFamily="34" charset="0"/>
+              </a:rPr>
               <a:t>, записывает туда аргументы, функции и переменные. В отличие от </a:t>
             </a:r>
             <a:r>
-              <a:rPr lang="ru-RU" dirty="0" err="1" smtClean="0"/>
+              <a:rPr lang="ru-RU" sz="1400" dirty="0" err="1">
+                <a:latin typeface="Calibri" panose="020F0502020204030204" pitchFamily="34" charset="0"/>
+              </a:rPr>
               <a:t>window</a:t>
             </a:r>
             <a:r>
-              <a:rPr lang="ru-RU" dirty="0" smtClean="0"/>
+              <a:rPr lang="ru-RU" sz="1400" dirty="0">
+                <a:latin typeface="Calibri" panose="020F0502020204030204" pitchFamily="34" charset="0"/>
+              </a:rPr>
               <a:t>, объект </a:t>
             </a:r>
             <a:r>
-              <a:rPr lang="ru-RU" dirty="0" err="1" smtClean="0"/>
+              <a:rPr lang="ru-RU" sz="1400" dirty="0" err="1">
+                <a:latin typeface="Calibri" panose="020F0502020204030204" pitchFamily="34" charset="0"/>
+              </a:rPr>
               <a:t>LexicalEnvironment</a:t>
             </a:r>
             <a:r>
-              <a:rPr lang="ru-RU" dirty="0" smtClean="0"/>
+              <a:rPr lang="ru-RU" sz="1400" dirty="0">
+                <a:latin typeface="Calibri" panose="020F0502020204030204" pitchFamily="34" charset="0"/>
+              </a:rPr>
               <a:t> является внутренним, он скрыт от прямого доступа. </a:t>
             </a:r>
           </a:p>
@@ -2639,7 +2646,9 @@
               <a:buFont typeface="Wingdings" pitchFamily="2" charset="2"/>
               <a:buChar char="§"/>
             </a:pPr>
-            <a:endParaRPr lang="ru-RU" dirty="0" smtClean="0"/>
+            <a:endParaRPr lang="ru-RU" sz="1400" dirty="0">
+              <a:latin typeface="Calibri" panose="020F0502020204030204" pitchFamily="34" charset="0"/>
+            </a:endParaRPr>
           </a:p>
           <a:p>
             <a:pPr algn="just">
@@ -2647,49 +2656,56 @@
               <a:buChar char="§"/>
             </a:pPr>
             <a:r>
-              <a:rPr lang="ru-RU" dirty="0" smtClean="0"/>
+              <a:rPr lang="ru-RU" sz="1400" dirty="0">
+                <a:latin typeface="Calibri" panose="020F0502020204030204" pitchFamily="34" charset="0"/>
+              </a:rPr>
               <a:t>  Интерпретатор, при доступе к переменной, сначала пытается найти переменную в текущем </a:t>
             </a:r>
             <a:r>
-              <a:rPr lang="ru-RU" dirty="0" err="1" smtClean="0"/>
+              <a:rPr lang="ru-RU" sz="1400" dirty="0" err="1">
+                <a:latin typeface="Calibri" panose="020F0502020204030204" pitchFamily="34" charset="0"/>
+              </a:rPr>
               <a:t>LexicalEnvironment</a:t>
             </a:r>
             <a:r>
-              <a:rPr lang="ru-RU" dirty="0" smtClean="0"/>
+              <a:rPr lang="ru-RU" sz="1400" dirty="0">
+                <a:latin typeface="Calibri" panose="020F0502020204030204" pitchFamily="34" charset="0"/>
+              </a:rPr>
               <a:t>, а затем, если её нет – ищет во внешнем объекте переменных. Например, в глобальном объекте </a:t>
             </a:r>
             <a:r>
-              <a:rPr lang="ru-RU" dirty="0" err="1" smtClean="0"/>
+              <a:rPr lang="ru-RU" sz="1400" dirty="0" err="1">
+                <a:latin typeface="Calibri" panose="020F0502020204030204" pitchFamily="34" charset="0"/>
+              </a:rPr>
               <a:t>window</a:t>
             </a:r>
             <a:r>
-              <a:rPr lang="ru-RU" dirty="0" smtClean="0"/>
+              <a:rPr lang="ru-RU" sz="1400" dirty="0">
+                <a:latin typeface="Calibri" panose="020F0502020204030204" pitchFamily="34" charset="0"/>
+              </a:rPr>
               <a:t>.</a:t>
             </a:r>
-            <a:endParaRPr lang="en-US" dirty="0" smtClean="0"/>
-          </a:p>
-          <a:p>
-            <a:endParaRPr lang="en-US" dirty="0"/>
+            <a:endParaRPr lang="en-US" sz="1400" dirty="0">
+              <a:latin typeface="Calibri" panose="020F0502020204030204" pitchFamily="34" charset="0"/>
+            </a:endParaRPr>
+          </a:p>
+          <a:p>
+            <a:endParaRPr lang="en-US" sz="1400" dirty="0">
+              <a:latin typeface="Calibri" panose="020F0502020204030204" pitchFamily="34" charset="0"/>
+            </a:endParaRPr>
           </a:p>
         </p:txBody>
       </p:sp>
     </p:spTree>
     <p:extLst>
       <p:ext uri="{BB962C8B-B14F-4D97-AF65-F5344CB8AC3E}">
-        <p14:creationId xmlns:p14="http://schemas.microsoft.com/office/powerpoint/2010/main" xmlns="" val="2015409003"/>
+        <p14:creationId xmlns:p14="http://schemas.microsoft.com/office/powerpoint/2010/main" val="2015409003"/>
       </p:ext>
     </p:extLst>
   </p:cSld>
   <p:clrMapOvr>
     <a:masterClrMapping/>
   </p:clrMapOvr>
-  <p:timing>
-    <p:tnLst>
-      <p:par>
-        <p:cTn id="1" dur="indefinite" restart="never" nodeType="tmRoot"/>
-      </p:par>
-    </p:tnLst>
-  </p:timing>
 </p:sld>
 </file>
 
@@ -2726,7 +2742,7 @@
           <a:lstStyle/>
           <a:p>
             <a:r>
-              <a:rPr lang="ru-RU" dirty="0" smtClean="0"/>
+              <a:rPr lang="ru-RU" dirty="0"/>
               <a:t>Модули через замыкания</a:t>
             </a:r>
             <a:endParaRPr lang="en-US" dirty="0"/>
@@ -2742,7 +2758,7 @@
         <p:spPr>
           <a:xfrm>
             <a:off x="457200" y="1108710"/>
-            <a:ext cx="8229600" cy="3139321"/>
+            <a:ext cx="8229600" cy="1815882"/>
           </a:xfrm>
           <a:prstGeom prst="rect">
             <a:avLst/>
@@ -2757,64 +2773,72 @@
           <a:p>
             <a:pPr algn="just"/>
             <a:r>
-              <a:rPr lang="ru-RU" dirty="0" smtClean="0"/>
+              <a:rPr lang="ru-RU" sz="1400" dirty="0">
+                <a:latin typeface="Calibri" panose="020F0502020204030204" pitchFamily="34" charset="0"/>
+              </a:rPr>
               <a:t>Приём программирования «модуль» имеет громадное количество вариаций. Его цель – скрыть внутренние детали реализации </a:t>
             </a:r>
             <a:r>
-              <a:rPr lang="ru-RU" dirty="0" err="1" smtClean="0"/>
+              <a:rPr lang="ru-RU" sz="1400" dirty="0" err="1">
+                <a:latin typeface="Calibri" panose="020F0502020204030204" pitchFamily="34" charset="0"/>
+              </a:rPr>
               <a:t>скрипта</a:t>
             </a:r>
             <a:r>
-              <a:rPr lang="ru-RU" dirty="0" smtClean="0"/>
+              <a:rPr lang="ru-RU" sz="1400" dirty="0">
+                <a:latin typeface="Calibri" panose="020F0502020204030204" pitchFamily="34" charset="0"/>
+              </a:rPr>
               <a:t>. В том числе: временные переменные, константы, вспомогательные мини-функции и т.п. </a:t>
             </a:r>
           </a:p>
           <a:p>
             <a:pPr algn="just"/>
-            <a:endParaRPr lang="ru-RU" dirty="0" smtClean="0"/>
+            <a:endParaRPr lang="ru-RU" sz="1400" dirty="0">
+              <a:latin typeface="Calibri" panose="020F0502020204030204" pitchFamily="34" charset="0"/>
+            </a:endParaRPr>
           </a:p>
           <a:p>
             <a:pPr algn="just"/>
             <a:r>
-              <a:rPr lang="ru-RU" dirty="0" smtClean="0"/>
+              <a:rPr lang="ru-RU" sz="1400" dirty="0">
+                <a:latin typeface="Calibri" panose="020F0502020204030204" pitchFamily="34" charset="0"/>
+              </a:rPr>
               <a:t>Такой подход к реализации функционала программы удобен, так как позволяет устранить конфликты между переменными функций, которые в ней задействованы. </a:t>
             </a:r>
           </a:p>
           <a:p>
             <a:pPr algn="just"/>
-            <a:endParaRPr lang="ru-RU" dirty="0" smtClean="0"/>
+            <a:endParaRPr lang="ru-RU" sz="1400" dirty="0">
+              <a:latin typeface="Calibri" panose="020F0502020204030204" pitchFamily="34" charset="0"/>
+            </a:endParaRPr>
           </a:p>
           <a:p>
             <a:pPr algn="just"/>
             <a:r>
-              <a:rPr lang="ru-RU" dirty="0" smtClean="0"/>
+              <a:rPr lang="ru-RU" sz="1400" dirty="0">
+                <a:latin typeface="Calibri" panose="020F0502020204030204" pitchFamily="34" charset="0"/>
+              </a:rPr>
               <a:t>Примером использования модулей является большинство библиотек </a:t>
             </a:r>
             <a:r>
-              <a:rPr lang="en-US" dirty="0" smtClean="0"/>
+              <a:rPr lang="en-US" sz="1400" dirty="0">
+                <a:latin typeface="Calibri" panose="020F0502020204030204" pitchFamily="34" charset="0"/>
+              </a:rPr>
               <a:t>JavaScript. </a:t>
             </a:r>
-            <a:endParaRPr lang="en-US" dirty="0"/>
           </a:p>
         </p:txBody>
       </p:sp>
     </p:spTree>
     <p:extLst>
       <p:ext uri="{BB962C8B-B14F-4D97-AF65-F5344CB8AC3E}">
-        <p14:creationId xmlns:p14="http://schemas.microsoft.com/office/powerpoint/2010/main" xmlns="" val="384071384"/>
+        <p14:creationId xmlns:p14="http://schemas.microsoft.com/office/powerpoint/2010/main" val="384071384"/>
       </p:ext>
     </p:extLst>
   </p:cSld>
   <p:clrMapOvr>
     <a:masterClrMapping/>
   </p:clrMapOvr>
-  <p:timing>
-    <p:tnLst>
-      <p:par>
-        <p:cTn id="1" dur="indefinite" restart="never" nodeType="tmRoot"/>
-      </p:par>
-    </p:tnLst>
-  </p:timing>
 </p:sld>
 </file>
 
@@ -2851,7 +2875,7 @@
           <a:lstStyle/>
           <a:p>
             <a:r>
-              <a:rPr lang="ru-RU" dirty="0" smtClean="0"/>
+              <a:rPr lang="ru-RU" dirty="0"/>
               <a:t>Прототип</a:t>
             </a:r>
             <a:endParaRPr lang="en-US" dirty="0"/>
@@ -2893,7 +2917,7 @@
         <p:spPr>
           <a:xfrm>
             <a:off x="457200" y="925830"/>
-            <a:ext cx="8229600" cy="923330"/>
+            <a:ext cx="8229600" cy="738664"/>
           </a:xfrm>
           <a:prstGeom prst="rect">
             <a:avLst/>
@@ -2907,37 +2931,49 @@
           <a:lstStyle/>
           <a:p>
             <a:r>
-              <a:rPr lang="ru-RU" dirty="0" smtClean="0"/>
+              <a:rPr lang="ru-RU" sz="1400" dirty="0">
+                <a:latin typeface="Calibri" panose="020F0502020204030204" pitchFamily="34" charset="0"/>
+              </a:rPr>
               <a:t>В </a:t>
             </a:r>
             <a:r>
-              <a:rPr lang="en-US" dirty="0" smtClean="0"/>
+              <a:rPr lang="en-US" sz="1400" dirty="0">
+                <a:latin typeface="Calibri" panose="020F0502020204030204" pitchFamily="34" charset="0"/>
+              </a:rPr>
               <a:t>JavaScript </a:t>
             </a:r>
             <a:r>
-              <a:rPr lang="ru-RU" dirty="0" smtClean="0"/>
+              <a:rPr lang="ru-RU" sz="1400" dirty="0">
+                <a:latin typeface="Calibri" panose="020F0502020204030204" pitchFamily="34" charset="0"/>
+              </a:rPr>
               <a:t>наследование реализовано через прототипы</a:t>
             </a:r>
             <a:r>
-              <a:rPr lang="ru-RU" b="1" dirty="0" smtClean="0"/>
-              <a:t>. </a:t>
-            </a:r>
-            <a:r>
-              <a:rPr lang="ru-RU" b="1" dirty="0" smtClean="0"/>
-              <a:t>Прототип </a:t>
-            </a:r>
-            <a:r>
-              <a:rPr lang="ru-RU" dirty="0" smtClean="0"/>
-              <a:t>– это неявная(внутренняя) ссылка одного объекта на другой. </a:t>
-            </a:r>
-            <a:endParaRPr lang="en-US" dirty="0" smtClean="0"/>
-          </a:p>
-          <a:p>
-            <a:r>
-              <a:rPr lang="ru-RU" dirty="0" smtClean="0"/>
+              <a:rPr lang="ru-RU" sz="1400" b="1" dirty="0">
+                <a:latin typeface="Calibri" panose="020F0502020204030204" pitchFamily="34" charset="0"/>
+              </a:rPr>
+              <a:t>. Прототип </a:t>
+            </a:r>
+            <a:r>
+              <a:rPr lang="ru-RU" sz="1400" dirty="0">
+                <a:latin typeface="Calibri" panose="020F0502020204030204" pitchFamily="34" charset="0"/>
+              </a:rPr>
+              <a:t>– это неявная (внутренняя) ссылка одного объекта на другой. </a:t>
+            </a:r>
+            <a:endParaRPr lang="en-US" sz="1400" dirty="0">
+              <a:latin typeface="Calibri" panose="020F0502020204030204" pitchFamily="34" charset="0"/>
+            </a:endParaRPr>
+          </a:p>
+          <a:p>
+            <a:r>
+              <a:rPr lang="ru-RU" sz="1400" dirty="0">
+                <a:latin typeface="Calibri" panose="020F0502020204030204" pitchFamily="34" charset="0"/>
+              </a:rPr>
               <a:t> </a:t>
             </a:r>
-            <a:endParaRPr lang="en-US" dirty="0"/>
+            <a:endParaRPr lang="en-US" sz="1400" dirty="0">
+              <a:latin typeface="Calibri" panose="020F0502020204030204" pitchFamily="34" charset="0"/>
+            </a:endParaRPr>
           </a:p>
         </p:txBody>
       </p:sp>
@@ -2950,7 +2986,7 @@
         <p:spPr>
           <a:xfrm>
             <a:off x="3840480" y="1644848"/>
-            <a:ext cx="4846320" cy="2862322"/>
+            <a:ext cx="4846320" cy="2246769"/>
           </a:xfrm>
           <a:prstGeom prst="rect">
             <a:avLst/>
@@ -2965,104 +3001,137 @@
           <a:p>
             <a:pPr algn="just"/>
             <a:r>
-              <a:rPr lang="ru-RU" dirty="0" smtClean="0"/>
+              <a:rPr lang="ru-RU" sz="1400" dirty="0">
+                <a:latin typeface="Calibri" panose="020F0502020204030204" pitchFamily="34" charset="0"/>
+              </a:rPr>
               <a:t>Например</a:t>
             </a:r>
             <a:r>
-              <a:rPr lang="en-US" dirty="0" smtClean="0"/>
+              <a:rPr lang="en-US" sz="1400" dirty="0">
+                <a:latin typeface="Calibri" panose="020F0502020204030204" pitchFamily="34" charset="0"/>
+              </a:rPr>
               <a:t>: </a:t>
             </a:r>
           </a:p>
           <a:p>
             <a:pPr algn="just"/>
-            <a:endParaRPr lang="en-US" dirty="0" smtClean="0"/>
+            <a:endParaRPr lang="en-US" sz="1400" dirty="0">
+              <a:latin typeface="Calibri" panose="020F0502020204030204" pitchFamily="34" charset="0"/>
+            </a:endParaRPr>
           </a:p>
           <a:p>
             <a:pPr algn="just"/>
             <a:r>
-              <a:rPr lang="ru-RU" dirty="0" smtClean="0"/>
-              <a:t>Любое </a:t>
-            </a:r>
-            <a:r>
-              <a:rPr lang="ru-RU" dirty="0" smtClean="0"/>
-              <a:t>запрошенное свойство ищется сначала в </a:t>
-            </a:r>
-            <a:r>
-              <a:rPr lang="ru-RU" b="1" dirty="0" err="1" smtClean="0"/>
+              <a:rPr lang="ru-RU" sz="1400" dirty="0">
+                <a:latin typeface="Calibri" panose="020F0502020204030204" pitchFamily="34" charset="0"/>
+              </a:rPr>
+              <a:t>Поиск любого свойства будет проходить сначала в объекте </a:t>
+            </a:r>
+            <a:r>
+              <a:rPr lang="ru-RU" sz="1400" b="1" dirty="0">
+                <a:latin typeface="Calibri" panose="020F0502020204030204" pitchFamily="34" charset="0"/>
+              </a:rPr>
               <a:t>rabbit</a:t>
             </a:r>
-            <a:endParaRPr lang="ru-RU" b="1" dirty="0" smtClean="0"/>
+            <a:r>
+              <a:rPr lang="ru-RU" sz="1400" dirty="0">
+                <a:latin typeface="Calibri" panose="020F0502020204030204" pitchFamily="34" charset="0"/>
+              </a:rPr>
+              <a:t>, если свойство там не найдено, то будет проверен объект</a:t>
+            </a:r>
+            <a:r>
+              <a:rPr lang="ru-RU" sz="1400" b="1" dirty="0">
+                <a:latin typeface="Calibri" panose="020F0502020204030204" pitchFamily="34" charset="0"/>
+              </a:rPr>
+              <a:t> </a:t>
+            </a:r>
+            <a:r>
+              <a:rPr lang="en-US" sz="1400" b="1" dirty="0">
+                <a:latin typeface="Calibri" panose="020F0502020204030204" pitchFamily="34" charset="0"/>
+              </a:rPr>
+              <a:t> </a:t>
+            </a:r>
+            <a:r>
+              <a:rPr lang="ru-RU" sz="1400" b="1" dirty="0">
+                <a:latin typeface="Calibri" panose="020F0502020204030204" pitchFamily="34" charset="0"/>
+              </a:rPr>
+              <a:t>animal </a:t>
+            </a:r>
+            <a:r>
+              <a:rPr lang="ru-RU" sz="1400" dirty="0">
+                <a:latin typeface="Calibri" panose="020F0502020204030204" pitchFamily="34" charset="0"/>
+              </a:rPr>
+              <a:t>по</a:t>
+            </a:r>
+            <a:r>
+              <a:rPr lang="ru-RU" sz="1400" b="1" dirty="0">
+                <a:latin typeface="Calibri" panose="020F0502020204030204" pitchFamily="34" charset="0"/>
+              </a:rPr>
+              <a:t> </a:t>
+            </a:r>
+            <a:r>
+              <a:rPr lang="ru-RU" sz="1400" dirty="0">
+                <a:latin typeface="Calibri" panose="020F0502020204030204" pitchFamily="34" charset="0"/>
+              </a:rPr>
+              <a:t>ссылке</a:t>
+            </a:r>
+            <a:r>
+              <a:rPr lang="ru-RU" sz="1400" b="1" dirty="0">
+                <a:latin typeface="Calibri" panose="020F0502020204030204" pitchFamily="34" charset="0"/>
+              </a:rPr>
+              <a:t> rabbit.prototype</a:t>
+            </a:r>
+            <a:r>
+              <a:rPr lang="ru-RU" sz="1400" dirty="0">
+                <a:latin typeface="Calibri" panose="020F0502020204030204" pitchFamily="34" charset="0"/>
+              </a:rPr>
+              <a:t>.</a:t>
+            </a:r>
           </a:p>
           <a:p>
             <a:pPr algn="just"/>
-            <a:r>
-              <a:rPr lang="ru-RU" dirty="0" smtClean="0"/>
-              <a:t>Если свойство там не найдено, то оно ищется в </a:t>
-            </a:r>
-            <a:r>
-              <a:rPr lang="ru-RU" b="1" dirty="0" err="1" smtClean="0"/>
-              <a:t>rabbi</a:t>
-            </a:r>
-            <a:r>
-              <a:rPr lang="ru-RU" dirty="0" err="1" smtClean="0"/>
-              <a:t>t</a:t>
-            </a:r>
-            <a:r>
-              <a:rPr lang="ru-RU" dirty="0" smtClean="0"/>
-              <a:t>.[[</a:t>
-            </a:r>
-            <a:r>
-              <a:rPr lang="ru-RU" dirty="0" err="1" smtClean="0"/>
-              <a:t>prototype</a:t>
-            </a:r>
-            <a:r>
-              <a:rPr lang="ru-RU" dirty="0" smtClean="0"/>
-              <a:t>]], т.е </a:t>
-            </a:r>
-            <a:r>
-              <a:rPr lang="ru-RU" b="1" dirty="0" smtClean="0"/>
-              <a:t>в</a:t>
-            </a:r>
-            <a:r>
-              <a:rPr lang="en-US" b="1" dirty="0" smtClean="0"/>
-              <a:t> </a:t>
-            </a:r>
-            <a:r>
-              <a:rPr lang="ru-RU" b="1" dirty="0" err="1" smtClean="0"/>
-              <a:t>animal</a:t>
-            </a:r>
-            <a:endParaRPr lang="ru-RU" b="1" dirty="0" smtClean="0"/>
+            <a:endParaRPr lang="ru-RU" sz="1400" b="1" dirty="0">
+              <a:latin typeface="Calibri" panose="020F0502020204030204" pitchFamily="34" charset="0"/>
+            </a:endParaRPr>
           </a:p>
           <a:p>
             <a:pPr algn="just"/>
             <a:r>
-              <a:rPr lang="ru-RU" dirty="0" smtClean="0"/>
-              <a:t>Благодаря поиску по прототипу получается, что все функции и переменные, которые были в </a:t>
-            </a:r>
-            <a:r>
-              <a:rPr lang="ru-RU" b="1" dirty="0" err="1" smtClean="0"/>
-              <a:t>animal</a:t>
-            </a:r>
-            <a:r>
-              <a:rPr lang="ru-RU" b="1" dirty="0" smtClean="0"/>
-              <a:t>, </a:t>
-            </a:r>
-            <a:r>
-              <a:rPr lang="ru-RU" dirty="0" smtClean="0"/>
-              <a:t>доступны и в </a:t>
-            </a:r>
-            <a:r>
-              <a:rPr lang="ru-RU" b="1" dirty="0" err="1" smtClean="0"/>
+              <a:rPr lang="ru-RU" sz="1400" dirty="0">
+                <a:latin typeface="Calibri" panose="020F0502020204030204" pitchFamily="34" charset="0"/>
+              </a:rPr>
+              <a:t>Благодаря поиску по прототипу получается, что все функции и переменные, которые были в объекте </a:t>
+            </a:r>
+            <a:r>
+              <a:rPr lang="ru-RU" sz="1400" b="1" dirty="0">
+                <a:latin typeface="Calibri" panose="020F0502020204030204" pitchFamily="34" charset="0"/>
+              </a:rPr>
+              <a:t>animal, </a:t>
+            </a:r>
+            <a:r>
+              <a:rPr lang="ru-RU" sz="1400" dirty="0">
+                <a:latin typeface="Calibri" panose="020F0502020204030204" pitchFamily="34" charset="0"/>
+              </a:rPr>
+              <a:t>доступны и в объекте </a:t>
+            </a:r>
+            <a:r>
+              <a:rPr lang="ru-RU" sz="1400" b="1" dirty="0">
+                <a:latin typeface="Calibri" panose="020F0502020204030204" pitchFamily="34" charset="0"/>
+              </a:rPr>
               <a:t>rabbit</a:t>
             </a:r>
             <a:r>
-              <a:rPr lang="ru-RU" dirty="0" smtClean="0"/>
+              <a:rPr lang="ru-RU" sz="1400" dirty="0">
+                <a:latin typeface="Calibri" panose="020F0502020204030204" pitchFamily="34" charset="0"/>
+              </a:rPr>
               <a:t>.</a:t>
             </a:r>
           </a:p>
           <a:p>
             <a:pPr algn="just"/>
-            <a:endParaRPr lang="en-US" dirty="0"/>
+            <a:endParaRPr lang="en-US" sz="1400" dirty="0">
+              <a:latin typeface="Calibri" panose="020F0502020204030204" pitchFamily="34" charset="0"/>
+            </a:endParaRPr>
           </a:p>
         </p:txBody>
       </p:sp>
